--- a/UI.pptx
+++ b/UI.pptx
@@ -114,6 +114,11 @@
       </a:defRPr>
     </a:lvl9pPr>
   </p:defaultTextStyle>
+  <p:extLst>
+    <p:ext uri="{EFAFB233-063F-42B5-8137-9DF3F51BA10A}">
+      <p15:sldGuideLst xmlns:p15="http://schemas.microsoft.com/office/powerpoint/2012/main"/>
+    </p:ext>
+  </p:extLst>
 </p:presentation>
 </file>
 
@@ -264,7 +269,7 @@
           <a:p>
             <a:fld id="{BA6EA58D-7F14-4563-A832-A4A8AA7E053C}" type="datetimeFigureOut">
               <a:rPr lang="zh-CN" altLang="en-US" smtClean="0"/>
-              <a:t>2019/7/2</a:t>
+              <a:t>2019/7/4</a:t>
             </a:fld>
             <a:endParaRPr lang="zh-CN" altLang="en-US"/>
           </a:p>
@@ -462,7 +467,7 @@
           <a:p>
             <a:fld id="{BA6EA58D-7F14-4563-A832-A4A8AA7E053C}" type="datetimeFigureOut">
               <a:rPr lang="zh-CN" altLang="en-US" smtClean="0"/>
-              <a:t>2019/7/2</a:t>
+              <a:t>2019/7/4</a:t>
             </a:fld>
             <a:endParaRPr lang="zh-CN" altLang="en-US"/>
           </a:p>
@@ -670,7 +675,7 @@
           <a:p>
             <a:fld id="{BA6EA58D-7F14-4563-A832-A4A8AA7E053C}" type="datetimeFigureOut">
               <a:rPr lang="zh-CN" altLang="en-US" smtClean="0"/>
-              <a:t>2019/7/2</a:t>
+              <a:t>2019/7/4</a:t>
             </a:fld>
             <a:endParaRPr lang="zh-CN" altLang="en-US"/>
           </a:p>
@@ -868,7 +873,7 @@
           <a:p>
             <a:fld id="{BA6EA58D-7F14-4563-A832-A4A8AA7E053C}" type="datetimeFigureOut">
               <a:rPr lang="zh-CN" altLang="en-US" smtClean="0"/>
-              <a:t>2019/7/2</a:t>
+              <a:t>2019/7/4</a:t>
             </a:fld>
             <a:endParaRPr lang="zh-CN" altLang="en-US"/>
           </a:p>
@@ -1143,7 +1148,7 @@
           <a:p>
             <a:fld id="{BA6EA58D-7F14-4563-A832-A4A8AA7E053C}" type="datetimeFigureOut">
               <a:rPr lang="zh-CN" altLang="en-US" smtClean="0"/>
-              <a:t>2019/7/2</a:t>
+              <a:t>2019/7/4</a:t>
             </a:fld>
             <a:endParaRPr lang="zh-CN" altLang="en-US"/>
           </a:p>
@@ -1408,7 +1413,7 @@
           <a:p>
             <a:fld id="{BA6EA58D-7F14-4563-A832-A4A8AA7E053C}" type="datetimeFigureOut">
               <a:rPr lang="zh-CN" altLang="en-US" smtClean="0"/>
-              <a:t>2019/7/2</a:t>
+              <a:t>2019/7/4</a:t>
             </a:fld>
             <a:endParaRPr lang="zh-CN" altLang="en-US"/>
           </a:p>
@@ -1820,7 +1825,7 @@
           <a:p>
             <a:fld id="{BA6EA58D-7F14-4563-A832-A4A8AA7E053C}" type="datetimeFigureOut">
               <a:rPr lang="zh-CN" altLang="en-US" smtClean="0"/>
-              <a:t>2019/7/2</a:t>
+              <a:t>2019/7/4</a:t>
             </a:fld>
             <a:endParaRPr lang="zh-CN" altLang="en-US"/>
           </a:p>
@@ -1961,7 +1966,7 @@
           <a:p>
             <a:fld id="{BA6EA58D-7F14-4563-A832-A4A8AA7E053C}" type="datetimeFigureOut">
               <a:rPr lang="zh-CN" altLang="en-US" smtClean="0"/>
-              <a:t>2019/7/2</a:t>
+              <a:t>2019/7/4</a:t>
             </a:fld>
             <a:endParaRPr lang="zh-CN" altLang="en-US"/>
           </a:p>
@@ -2074,7 +2079,7 @@
           <a:p>
             <a:fld id="{BA6EA58D-7F14-4563-A832-A4A8AA7E053C}" type="datetimeFigureOut">
               <a:rPr lang="zh-CN" altLang="en-US" smtClean="0"/>
-              <a:t>2019/7/2</a:t>
+              <a:t>2019/7/4</a:t>
             </a:fld>
             <a:endParaRPr lang="zh-CN" altLang="en-US"/>
           </a:p>
@@ -2385,7 +2390,7 @@
           <a:p>
             <a:fld id="{BA6EA58D-7F14-4563-A832-A4A8AA7E053C}" type="datetimeFigureOut">
               <a:rPr lang="zh-CN" altLang="en-US" smtClean="0"/>
-              <a:t>2019/7/2</a:t>
+              <a:t>2019/7/4</a:t>
             </a:fld>
             <a:endParaRPr lang="zh-CN" altLang="en-US"/>
           </a:p>
@@ -2673,7 +2678,7 @@
           <a:p>
             <a:fld id="{BA6EA58D-7F14-4563-A832-A4A8AA7E053C}" type="datetimeFigureOut">
               <a:rPr lang="zh-CN" altLang="en-US" smtClean="0"/>
-              <a:t>2019/7/2</a:t>
+              <a:t>2019/7/4</a:t>
             </a:fld>
             <a:endParaRPr lang="zh-CN" altLang="en-US"/>
           </a:p>
@@ -2914,7 +2919,7 @@
           <a:p>
             <a:fld id="{BA6EA58D-7F14-4563-A832-A4A8AA7E053C}" type="datetimeFigureOut">
               <a:rPr lang="zh-CN" altLang="en-US" smtClean="0"/>
-              <a:t>2019/7/2</a:t>
+              <a:t>2019/7/4</a:t>
             </a:fld>
             <a:endParaRPr lang="zh-CN" altLang="en-US"/>
           </a:p>
@@ -5144,13 +5149,10 @@
           <a:lstStyle/>
           <a:p>
             <a:pPr algn="ctr"/>
-            <a:r>
-              <a:rPr lang="zh-CN" altLang="en-US" sz="2000">
-                <a:latin typeface="微软雅黑" panose="020B0503020204020204" pitchFamily="34" charset="-122"/>
-                <a:ea typeface="微软雅黑" panose="020B0503020204020204" pitchFamily="34" charset="-122"/>
-              </a:rPr>
-              <a:t>黑嘴</a:t>
-            </a:r>
+            <a:endParaRPr lang="zh-CN" altLang="en-US" sz="2000">
+              <a:latin typeface="微软雅黑" panose="020B0503020204020204" pitchFamily="34" charset="-122"/>
+              <a:ea typeface="微软雅黑" panose="020B0503020204020204" pitchFamily="34" charset="-122"/>
+            </a:endParaRPr>
           </a:p>
         </p:txBody>
       </p:sp>
@@ -5757,10 +5759,10 @@
       </p:sp>
       <p:grpSp>
         <p:nvGrpSpPr>
-          <p:cNvPr id="18" name="组合 17">
-            <a:extLst>
-              <a:ext uri="{FF2B5EF4-FFF2-40B4-BE49-F238E27FC236}">
-                <a16:creationId xmlns:a16="http://schemas.microsoft.com/office/drawing/2014/main" id="{BD81A268-0B87-472F-977C-BE1D353D3B1D}"/>
+          <p:cNvPr id="6" name="组合 5">
+            <a:extLst>
+              <a:ext uri="{FF2B5EF4-FFF2-40B4-BE49-F238E27FC236}">
+                <a16:creationId xmlns:a16="http://schemas.microsoft.com/office/drawing/2014/main" id="{708564C5-FADA-4260-8706-9A20CB074D01}"/>
               </a:ext>
             </a:extLst>
           </p:cNvPr>
@@ -5771,7 +5773,7 @@
           <a:xfrm>
             <a:off x="3254780" y="2622470"/>
             <a:ext cx="5950226" cy="4868838"/>
-            <a:chOff x="3140766" y="1136495"/>
+            <a:chOff x="3254780" y="2622470"/>
             <a:chExt cx="5950226" cy="4868838"/>
           </a:xfrm>
         </p:grpSpPr>
@@ -5791,7 +5793,7 @@
           </p:nvSpPr>
           <p:spPr>
             <a:xfrm>
-              <a:off x="3140766" y="1407165"/>
+              <a:off x="3254780" y="2893140"/>
               <a:ext cx="5950226" cy="4598168"/>
             </a:xfrm>
             <a:prstGeom prst="roundRect">
@@ -5838,237 +5840,6 @@
             </a:p>
           </p:txBody>
         </p:sp>
-        <p:sp>
-          <p:nvSpPr>
-            <p:cNvPr id="14" name="矩形: 圆角 13">
-              <a:extLst>
-                <a:ext uri="{FF2B5EF4-FFF2-40B4-BE49-F238E27FC236}">
-                  <a16:creationId xmlns:a16="http://schemas.microsoft.com/office/drawing/2014/main" id="{41841FF9-9F1C-48B4-8716-CB2D69876A04}"/>
-                </a:ext>
-              </a:extLst>
-            </p:cNvPr>
-            <p:cNvSpPr>
-              <a:spLocks noChangeAspect="1"/>
-            </p:cNvSpPr>
-            <p:nvPr/>
-          </p:nvSpPr>
-          <p:spPr>
-            <a:xfrm>
-              <a:off x="4125225" y="2732097"/>
-              <a:ext cx="3941550" cy="541339"/>
-            </a:xfrm>
-            <a:prstGeom prst="roundRect">
-              <a:avLst>
-                <a:gd name="adj" fmla="val 50000"/>
-              </a:avLst>
-            </a:prstGeom>
-            <a:solidFill>
-              <a:schemeClr val="bg1">
-                <a:lumMod val="95000"/>
-              </a:schemeClr>
-            </a:solidFill>
-            <a:ln>
-              <a:noFill/>
-            </a:ln>
-            <a:effectLst/>
-          </p:spPr>
-          <p:style>
-            <a:lnRef idx="2">
-              <a:schemeClr val="accent1">
-                <a:shade val="50000"/>
-              </a:schemeClr>
-            </a:lnRef>
-            <a:fillRef idx="1">
-              <a:schemeClr val="accent1"/>
-            </a:fillRef>
-            <a:effectRef idx="0">
-              <a:schemeClr val="accent1"/>
-            </a:effectRef>
-            <a:fontRef idx="minor">
-              <a:schemeClr val="lt1"/>
-            </a:fontRef>
-          </p:style>
-          <p:txBody>
-            <a:bodyPr rtlCol="0" anchor="ctr"/>
-            <a:lstStyle/>
-            <a:p>
-              <a:r>
-                <a:rPr lang="en-US" altLang="zh-CN">
-                  <a:solidFill>
-                    <a:schemeClr val="tx1"/>
-                  </a:solidFill>
-                  <a:latin typeface="微软雅黑" panose="020B0503020204020204" pitchFamily="34" charset="-122"/>
-                  <a:ea typeface="微软雅黑" panose="020B0503020204020204" pitchFamily="34" charset="-122"/>
-                </a:rPr>
-                <a:t>A. </a:t>
-              </a:r>
-              <a:r>
-                <a:rPr lang="zh-CN" altLang="en-US">
-                  <a:solidFill>
-                    <a:schemeClr val="tx1"/>
-                  </a:solidFill>
-                  <a:latin typeface="微软雅黑" panose="020B0503020204020204" pitchFamily="34" charset="-122"/>
-                  <a:ea typeface="微软雅黑" panose="020B0503020204020204" pitchFamily="34" charset="-122"/>
-                </a:rPr>
-                <a:t>好哇</a:t>
-              </a:r>
-            </a:p>
-          </p:txBody>
-        </p:sp>
-        <p:sp>
-          <p:nvSpPr>
-            <p:cNvPr id="15" name="矩形: 圆角 14">
-              <a:extLst>
-                <a:ext uri="{FF2B5EF4-FFF2-40B4-BE49-F238E27FC236}">
-                  <a16:creationId xmlns:a16="http://schemas.microsoft.com/office/drawing/2014/main" id="{ED374AD3-A2CC-4492-AE63-28B360595C7C}"/>
-                </a:ext>
-              </a:extLst>
-            </p:cNvPr>
-            <p:cNvSpPr>
-              <a:spLocks noChangeAspect="1"/>
-            </p:cNvSpPr>
-            <p:nvPr/>
-          </p:nvSpPr>
-          <p:spPr>
-            <a:xfrm>
-              <a:off x="4125225" y="3458288"/>
-              <a:ext cx="3941550" cy="541339"/>
-            </a:xfrm>
-            <a:prstGeom prst="roundRect">
-              <a:avLst>
-                <a:gd name="adj" fmla="val 50000"/>
-              </a:avLst>
-            </a:prstGeom>
-            <a:solidFill>
-              <a:schemeClr val="bg1">
-                <a:lumMod val="95000"/>
-              </a:schemeClr>
-            </a:solidFill>
-            <a:ln>
-              <a:noFill/>
-            </a:ln>
-            <a:effectLst/>
-          </p:spPr>
-          <p:style>
-            <a:lnRef idx="2">
-              <a:schemeClr val="accent1">
-                <a:shade val="50000"/>
-              </a:schemeClr>
-            </a:lnRef>
-            <a:fillRef idx="1">
-              <a:schemeClr val="accent1"/>
-            </a:fillRef>
-            <a:effectRef idx="0">
-              <a:schemeClr val="accent1"/>
-            </a:effectRef>
-            <a:fontRef idx="minor">
-              <a:schemeClr val="lt1"/>
-            </a:fontRef>
-          </p:style>
-          <p:txBody>
-            <a:bodyPr rtlCol="0" anchor="ctr"/>
-            <a:lstStyle/>
-            <a:p>
-              <a:r>
-                <a:rPr lang="en-US" altLang="zh-CN">
-                  <a:solidFill>
-                    <a:schemeClr val="tx1"/>
-                  </a:solidFill>
-                  <a:latin typeface="微软雅黑" panose="020B0503020204020204" pitchFamily="34" charset="-122"/>
-                  <a:ea typeface="微软雅黑" panose="020B0503020204020204" pitchFamily="34" charset="-122"/>
-                </a:rPr>
-                <a:t>B. </a:t>
-              </a:r>
-              <a:r>
-                <a:rPr lang="zh-CN" altLang="en-US">
-                  <a:solidFill>
-                    <a:schemeClr val="tx1"/>
-                  </a:solidFill>
-                  <a:latin typeface="微软雅黑" panose="020B0503020204020204" pitchFamily="34" charset="-122"/>
-                  <a:ea typeface="微软雅黑" panose="020B0503020204020204" pitchFamily="34" charset="-122"/>
-                </a:rPr>
-                <a:t>不了我还是吃灵力果吧</a:t>
-              </a:r>
-            </a:p>
-          </p:txBody>
-        </p:sp>
-        <p:sp>
-          <p:nvSpPr>
-            <p:cNvPr id="16" name="矩形: 圆角 15">
-              <a:extLst>
-                <a:ext uri="{FF2B5EF4-FFF2-40B4-BE49-F238E27FC236}">
-                  <a16:creationId xmlns:a16="http://schemas.microsoft.com/office/drawing/2014/main" id="{04B70A81-DD1B-4903-8D6C-2F8F3C2BDDE6}"/>
-                </a:ext>
-              </a:extLst>
-            </p:cNvPr>
-            <p:cNvSpPr>
-              <a:spLocks noChangeAspect="1"/>
-            </p:cNvSpPr>
-            <p:nvPr/>
-          </p:nvSpPr>
-          <p:spPr>
-            <a:xfrm>
-              <a:off x="4125225" y="4191158"/>
-              <a:ext cx="3941550" cy="541339"/>
-            </a:xfrm>
-            <a:prstGeom prst="roundRect">
-              <a:avLst>
-                <a:gd name="adj" fmla="val 50000"/>
-              </a:avLst>
-            </a:prstGeom>
-            <a:solidFill>
-              <a:schemeClr val="bg1">
-                <a:lumMod val="95000"/>
-              </a:schemeClr>
-            </a:solidFill>
-            <a:ln>
-              <a:noFill/>
-            </a:ln>
-            <a:effectLst/>
-          </p:spPr>
-          <p:style>
-            <a:lnRef idx="2">
-              <a:schemeClr val="accent1">
-                <a:shade val="50000"/>
-              </a:schemeClr>
-            </a:lnRef>
-            <a:fillRef idx="1">
-              <a:schemeClr val="accent1"/>
-            </a:fillRef>
-            <a:effectRef idx="0">
-              <a:schemeClr val="accent1"/>
-            </a:effectRef>
-            <a:fontRef idx="minor">
-              <a:schemeClr val="lt1"/>
-            </a:fontRef>
-          </p:style>
-          <p:txBody>
-            <a:bodyPr rtlCol="0" anchor="ctr"/>
-            <a:lstStyle/>
-            <a:p>
-              <a:r>
-                <a:rPr lang="en-US" altLang="zh-CN">
-                  <a:solidFill>
-                    <a:schemeClr val="tx1"/>
-                  </a:solidFill>
-                  <a:latin typeface="微软雅黑" panose="020B0503020204020204" pitchFamily="34" charset="-122"/>
-                  <a:ea typeface="微软雅黑" panose="020B0503020204020204" pitchFamily="34" charset="-122"/>
-                </a:rPr>
-                <a:t>C. </a:t>
-              </a:r>
-              <a:r>
-                <a:rPr lang="zh-CN" altLang="en-US">
-                  <a:solidFill>
-                    <a:schemeClr val="tx1"/>
-                  </a:solidFill>
-                  <a:latin typeface="微软雅黑" panose="020B0503020204020204" pitchFamily="34" charset="-122"/>
-                  <a:ea typeface="微软雅黑" panose="020B0503020204020204" pitchFamily="34" charset="-122"/>
-                </a:rPr>
-                <a:t>黑嘴的厨艺可以信任吗？</a:t>
-              </a:r>
-            </a:p>
-          </p:txBody>
-        </p:sp>
         <p:grpSp>
           <p:nvGrpSpPr>
             <p:cNvPr id="5" name="组合 4">
@@ -6083,7 +5854,7 @@
           </p:nvGrpSpPr>
           <p:grpSpPr>
             <a:xfrm>
-              <a:off x="3799891" y="1136495"/>
+              <a:off x="3913905" y="2622470"/>
               <a:ext cx="4619929" cy="541339"/>
               <a:chOff x="2935778" y="738298"/>
               <a:chExt cx="6367459" cy="541339"/>
@@ -6148,16 +5919,13 @@
               <a:lstStyle/>
               <a:p>
                 <a:pPr algn="ctr"/>
-                <a:r>
-                  <a:rPr lang="zh-CN" altLang="en-US" sz="2000">
-                    <a:solidFill>
-                      <a:schemeClr val="tx1"/>
-                    </a:solidFill>
-                    <a:latin typeface="微软雅黑" panose="020B0503020204020204" pitchFamily="34" charset="-122"/>
-                    <a:ea typeface="微软雅黑" panose="020B0503020204020204" pitchFamily="34" charset="-122"/>
-                  </a:rPr>
-                  <a:t>邀请你吃饭</a:t>
-                </a:r>
+                <a:endParaRPr lang="zh-CN" altLang="en-US" sz="2000">
+                  <a:solidFill>
+                    <a:schemeClr val="tx1"/>
+                  </a:solidFill>
+                  <a:latin typeface="微软雅黑" panose="020B0503020204020204" pitchFamily="34" charset="-122"/>
+                  <a:ea typeface="微软雅黑" panose="020B0503020204020204" pitchFamily="34" charset="-122"/>
+                </a:endParaRPr>
               </a:p>
             </p:txBody>
           </p:sp>
@@ -6222,21 +5990,210 @@
               <a:lstStyle/>
               <a:p>
                 <a:pPr algn="ctr"/>
-                <a:r>
-                  <a:rPr lang="zh-CN" altLang="en-US" sz="2000">
-                    <a:solidFill>
-                      <a:schemeClr val="bg1"/>
-                    </a:solidFill>
-                    <a:latin typeface="微软雅黑" panose="020B0503020204020204" pitchFamily="34" charset="-122"/>
-                    <a:ea typeface="微软雅黑" panose="020B0503020204020204" pitchFamily="34" charset="-122"/>
-                  </a:rPr>
-                  <a:t>黑嘴</a:t>
-                </a:r>
+                <a:endParaRPr lang="zh-CN" altLang="en-US" sz="2000">
+                  <a:solidFill>
+                    <a:schemeClr val="bg1"/>
+                  </a:solidFill>
+                  <a:latin typeface="微软雅黑" panose="020B0503020204020204" pitchFamily="34" charset="-122"/>
+                  <a:ea typeface="微软雅黑" panose="020B0503020204020204" pitchFamily="34" charset="-122"/>
+                </a:endParaRPr>
               </a:p>
             </p:txBody>
           </p:sp>
         </p:grpSp>
       </p:grpSp>
+      <p:sp>
+        <p:nvSpPr>
+          <p:cNvPr id="14" name="矩形: 圆角 13">
+            <a:extLst>
+              <a:ext uri="{FF2B5EF4-FFF2-40B4-BE49-F238E27FC236}">
+                <a16:creationId xmlns:a16="http://schemas.microsoft.com/office/drawing/2014/main" id="{41841FF9-9F1C-48B4-8716-CB2D69876A04}"/>
+              </a:ext>
+            </a:extLst>
+          </p:cNvPr>
+          <p:cNvSpPr>
+            <a:spLocks noChangeAspect="1"/>
+          </p:cNvSpPr>
+          <p:nvPr/>
+        </p:nvSpPr>
+        <p:spPr>
+          <a:xfrm>
+            <a:off x="4239239" y="4218072"/>
+            <a:ext cx="3941550" cy="541339"/>
+          </a:xfrm>
+          <a:prstGeom prst="roundRect">
+            <a:avLst>
+              <a:gd name="adj" fmla="val 50000"/>
+            </a:avLst>
+          </a:prstGeom>
+          <a:solidFill>
+            <a:schemeClr val="bg1">
+              <a:lumMod val="95000"/>
+            </a:schemeClr>
+          </a:solidFill>
+          <a:ln>
+            <a:noFill/>
+          </a:ln>
+          <a:effectLst/>
+        </p:spPr>
+        <p:style>
+          <a:lnRef idx="2">
+            <a:schemeClr val="accent1">
+              <a:shade val="50000"/>
+            </a:schemeClr>
+          </a:lnRef>
+          <a:fillRef idx="1">
+            <a:schemeClr val="accent1"/>
+          </a:fillRef>
+          <a:effectRef idx="0">
+            <a:schemeClr val="accent1"/>
+          </a:effectRef>
+          <a:fontRef idx="minor">
+            <a:schemeClr val="lt1"/>
+          </a:fontRef>
+        </p:style>
+        <p:txBody>
+          <a:bodyPr rtlCol="0" anchor="ctr"/>
+          <a:lstStyle/>
+          <a:p>
+            <a:endParaRPr lang="zh-CN" altLang="en-US">
+              <a:solidFill>
+                <a:schemeClr val="tx1"/>
+              </a:solidFill>
+              <a:latin typeface="微软雅黑" panose="020B0503020204020204" pitchFamily="34" charset="-122"/>
+              <a:ea typeface="微软雅黑" panose="020B0503020204020204" pitchFamily="34" charset="-122"/>
+            </a:endParaRPr>
+          </a:p>
+        </p:txBody>
+      </p:sp>
+      <p:sp>
+        <p:nvSpPr>
+          <p:cNvPr id="15" name="矩形: 圆角 14">
+            <a:extLst>
+              <a:ext uri="{FF2B5EF4-FFF2-40B4-BE49-F238E27FC236}">
+                <a16:creationId xmlns:a16="http://schemas.microsoft.com/office/drawing/2014/main" id="{ED374AD3-A2CC-4492-AE63-28B360595C7C}"/>
+              </a:ext>
+            </a:extLst>
+          </p:cNvPr>
+          <p:cNvSpPr>
+            <a:spLocks noChangeAspect="1"/>
+          </p:cNvSpPr>
+          <p:nvPr/>
+        </p:nvSpPr>
+        <p:spPr>
+          <a:xfrm>
+            <a:off x="4239239" y="4944263"/>
+            <a:ext cx="3941550" cy="541339"/>
+          </a:xfrm>
+          <a:prstGeom prst="roundRect">
+            <a:avLst>
+              <a:gd name="adj" fmla="val 50000"/>
+            </a:avLst>
+          </a:prstGeom>
+          <a:solidFill>
+            <a:schemeClr val="bg1">
+              <a:lumMod val="95000"/>
+            </a:schemeClr>
+          </a:solidFill>
+          <a:ln>
+            <a:noFill/>
+          </a:ln>
+          <a:effectLst/>
+        </p:spPr>
+        <p:style>
+          <a:lnRef idx="2">
+            <a:schemeClr val="accent1">
+              <a:shade val="50000"/>
+            </a:schemeClr>
+          </a:lnRef>
+          <a:fillRef idx="1">
+            <a:schemeClr val="accent1"/>
+          </a:fillRef>
+          <a:effectRef idx="0">
+            <a:schemeClr val="accent1"/>
+          </a:effectRef>
+          <a:fontRef idx="minor">
+            <a:schemeClr val="lt1"/>
+          </a:fontRef>
+        </p:style>
+        <p:txBody>
+          <a:bodyPr rtlCol="0" anchor="ctr"/>
+          <a:lstStyle/>
+          <a:p>
+            <a:endParaRPr lang="zh-CN" altLang="en-US">
+              <a:solidFill>
+                <a:schemeClr val="tx1"/>
+              </a:solidFill>
+              <a:latin typeface="微软雅黑" panose="020B0503020204020204" pitchFamily="34" charset="-122"/>
+              <a:ea typeface="微软雅黑" panose="020B0503020204020204" pitchFamily="34" charset="-122"/>
+            </a:endParaRPr>
+          </a:p>
+        </p:txBody>
+      </p:sp>
+      <p:sp>
+        <p:nvSpPr>
+          <p:cNvPr id="16" name="矩形: 圆角 15">
+            <a:extLst>
+              <a:ext uri="{FF2B5EF4-FFF2-40B4-BE49-F238E27FC236}">
+                <a16:creationId xmlns:a16="http://schemas.microsoft.com/office/drawing/2014/main" id="{04B70A81-DD1B-4903-8D6C-2F8F3C2BDDE6}"/>
+              </a:ext>
+            </a:extLst>
+          </p:cNvPr>
+          <p:cNvSpPr>
+            <a:spLocks noChangeAspect="1"/>
+          </p:cNvSpPr>
+          <p:nvPr/>
+        </p:nvSpPr>
+        <p:spPr>
+          <a:xfrm>
+            <a:off x="4239239" y="5677133"/>
+            <a:ext cx="3941550" cy="541339"/>
+          </a:xfrm>
+          <a:prstGeom prst="roundRect">
+            <a:avLst>
+              <a:gd name="adj" fmla="val 50000"/>
+            </a:avLst>
+          </a:prstGeom>
+          <a:solidFill>
+            <a:schemeClr val="bg1">
+              <a:lumMod val="95000"/>
+            </a:schemeClr>
+          </a:solidFill>
+          <a:ln>
+            <a:noFill/>
+          </a:ln>
+          <a:effectLst/>
+        </p:spPr>
+        <p:style>
+          <a:lnRef idx="2">
+            <a:schemeClr val="accent1">
+              <a:shade val="50000"/>
+            </a:schemeClr>
+          </a:lnRef>
+          <a:fillRef idx="1">
+            <a:schemeClr val="accent1"/>
+          </a:fillRef>
+          <a:effectRef idx="0">
+            <a:schemeClr val="accent1"/>
+          </a:effectRef>
+          <a:fontRef idx="minor">
+            <a:schemeClr val="lt1"/>
+          </a:fontRef>
+        </p:style>
+        <p:txBody>
+          <a:bodyPr rtlCol="0" anchor="ctr"/>
+          <a:lstStyle/>
+          <a:p>
+            <a:endParaRPr lang="zh-CN" altLang="en-US">
+              <a:solidFill>
+                <a:schemeClr val="tx1"/>
+              </a:solidFill>
+              <a:latin typeface="微软雅黑" panose="020B0503020204020204" pitchFamily="34" charset="-122"/>
+              <a:ea typeface="微软雅黑" panose="020B0503020204020204" pitchFamily="34" charset="-122"/>
+            </a:endParaRPr>
+          </a:p>
+        </p:txBody>
+      </p:sp>
     </p:spTree>
     <p:extLst>
       <p:ext uri="{BB962C8B-B14F-4D97-AF65-F5344CB8AC3E}">
